--- a/materials/Библиотекарь.pptx
+++ b/materials/Библиотекарь.pptx
@@ -10,10 +10,9 @@
     <p:sldId id="258" r:id="rId4"/>
     <p:sldId id="263" r:id="rId5"/>
     <p:sldId id="264" r:id="rId6"/>
-    <p:sldId id="259" r:id="rId7"/>
-    <p:sldId id="260" r:id="rId8"/>
-    <p:sldId id="261" r:id="rId9"/>
-    <p:sldId id="262" r:id="rId10"/>
+    <p:sldId id="260" r:id="rId7"/>
+    <p:sldId id="261" r:id="rId8"/>
+    <p:sldId id="262" r:id="rId9"/>
   </p:sldIdLst>
   <p:sldSz cx="9144000" cy="6858000" type="screen4x3"/>
   <p:notesSz cx="6858000" cy="9144000"/>
@@ -112,6 +111,22 @@
       </a:defRPr>
     </a:lvl9pPr>
   </p:defaultTextStyle>
+  <p:extLst>
+    <p:ext uri="{EFAFB233-063F-42B5-8137-9DF3F51BA10A}">
+      <p15:sldGuideLst xmlns:p15="http://schemas.microsoft.com/office/powerpoint/2012/main">
+        <p15:guide id="1" orient="horz" pos="2160">
+          <p15:clr>
+            <a:srgbClr val="A4A3A4"/>
+          </p15:clr>
+        </p15:guide>
+        <p15:guide id="2" pos="2880">
+          <p15:clr>
+            <a:srgbClr val="A4A3A4"/>
+          </p15:clr>
+        </p15:guide>
+      </p15:sldGuideLst>
+    </p:ext>
+  </p:extLst>
 </p:presentation>
 </file>
 
@@ -174,7 +189,7 @@
           <a:p>
             <a:fld id="{FF581D25-6329-4D9F-B08F-80DC08D6B388}" type="datetimeFigureOut">
               <a:rPr lang="ru-RU" smtClean="0"/>
-              <a:t>20.04.2025</a:t>
+              <a:t>23.04.2025</a:t>
             </a:fld>
             <a:endParaRPr lang="ru-RU"/>
           </a:p>
@@ -334,7 +349,7 @@
           </a:lstStyle>
           <a:p>
             <a:r>
-              <a:rPr lang="ru-RU" smtClean="0"/>
+              <a:rPr lang="ru-RU"/>
               <a:t>Образец подзаголовка</a:t>
             </a:r>
             <a:endParaRPr lang="en-US" dirty="0"/>
@@ -366,7 +381,7 @@
           </a:lstStyle>
           <a:p>
             <a:r>
-              <a:rPr lang="ru-RU" smtClean="0"/>
+              <a:rPr lang="ru-RU"/>
               <a:t>Образец заголовка</a:t>
             </a:r>
             <a:endParaRPr lang="en-US" dirty="0"/>
@@ -414,7 +429,7 @@
           <a:lstStyle/>
           <a:p>
             <a:r>
-              <a:rPr lang="ru-RU" smtClean="0"/>
+              <a:rPr lang="ru-RU"/>
               <a:t>Образец заголовка</a:t>
             </a:r>
             <a:endParaRPr lang="en-US" dirty="0"/>
@@ -438,35 +453,35 @@
           <a:p>
             <a:pPr lvl="0"/>
             <a:r>
-              <a:rPr lang="ru-RU" smtClean="0"/>
+              <a:rPr lang="ru-RU"/>
               <a:t>Образец текста</a:t>
             </a:r>
           </a:p>
           <a:p>
             <a:pPr lvl="1"/>
             <a:r>
-              <a:rPr lang="ru-RU" smtClean="0"/>
+              <a:rPr lang="ru-RU"/>
               <a:t>Второй уровень</a:t>
             </a:r>
           </a:p>
           <a:p>
             <a:pPr lvl="2"/>
             <a:r>
-              <a:rPr lang="ru-RU" smtClean="0"/>
+              <a:rPr lang="ru-RU"/>
               <a:t>Третий уровень</a:t>
             </a:r>
           </a:p>
           <a:p>
             <a:pPr lvl="3"/>
             <a:r>
-              <a:rPr lang="ru-RU" smtClean="0"/>
+              <a:rPr lang="ru-RU"/>
               <a:t>Четвертый уровень</a:t>
             </a:r>
           </a:p>
           <a:p>
             <a:pPr lvl="4"/>
             <a:r>
-              <a:rPr lang="ru-RU" smtClean="0"/>
+              <a:rPr lang="ru-RU"/>
               <a:t>Пятый уровень</a:t>
             </a:r>
             <a:endParaRPr lang="en-US"/>
@@ -490,7 +505,7 @@
           <a:p>
             <a:fld id="{FF581D25-6329-4D9F-B08F-80DC08D6B388}" type="datetimeFigureOut">
               <a:rPr lang="ru-RU" smtClean="0"/>
-              <a:t>20.04.2025</a:t>
+              <a:t>23.04.2025</a:t>
             </a:fld>
             <a:endParaRPr lang="ru-RU"/>
           </a:p>
@@ -584,7 +599,7 @@
           <a:lstStyle/>
           <a:p>
             <a:r>
-              <a:rPr lang="ru-RU" smtClean="0"/>
+              <a:rPr lang="ru-RU"/>
               <a:t>Образец заголовка</a:t>
             </a:r>
             <a:endParaRPr lang="en-US" dirty="0"/>
@@ -613,35 +628,35 @@
           <a:p>
             <a:pPr lvl="0"/>
             <a:r>
-              <a:rPr lang="ru-RU" smtClean="0"/>
+              <a:rPr lang="ru-RU"/>
               <a:t>Образец текста</a:t>
             </a:r>
           </a:p>
           <a:p>
             <a:pPr lvl="1"/>
             <a:r>
-              <a:rPr lang="ru-RU" smtClean="0"/>
+              <a:rPr lang="ru-RU"/>
               <a:t>Второй уровень</a:t>
             </a:r>
           </a:p>
           <a:p>
             <a:pPr lvl="2"/>
             <a:r>
-              <a:rPr lang="ru-RU" smtClean="0"/>
+              <a:rPr lang="ru-RU"/>
               <a:t>Третий уровень</a:t>
             </a:r>
           </a:p>
           <a:p>
             <a:pPr lvl="3"/>
             <a:r>
-              <a:rPr lang="ru-RU" smtClean="0"/>
+              <a:rPr lang="ru-RU"/>
               <a:t>Четвертый уровень</a:t>
             </a:r>
           </a:p>
           <a:p>
             <a:pPr lvl="4"/>
             <a:r>
-              <a:rPr lang="ru-RU" smtClean="0"/>
+              <a:rPr lang="ru-RU"/>
               <a:t>Пятый уровень</a:t>
             </a:r>
             <a:endParaRPr lang="en-US"/>
@@ -665,7 +680,7 @@
           <a:p>
             <a:fld id="{FF581D25-6329-4D9F-B08F-80DC08D6B388}" type="datetimeFigureOut">
               <a:rPr lang="ru-RU" smtClean="0"/>
-              <a:t>20.04.2025</a:t>
+              <a:t>23.04.2025</a:t>
             </a:fld>
             <a:endParaRPr lang="ru-RU"/>
           </a:p>
@@ -759,7 +774,7 @@
           <a:lstStyle/>
           <a:p>
             <a:r>
-              <a:rPr lang="ru-RU" smtClean="0"/>
+              <a:rPr lang="ru-RU"/>
               <a:t>Образец заголовка</a:t>
             </a:r>
             <a:endParaRPr lang="en-US" dirty="0"/>
@@ -783,7 +798,7 @@
           <a:p>
             <a:fld id="{FF581D25-6329-4D9F-B08F-80DC08D6B388}" type="datetimeFigureOut">
               <a:rPr lang="ru-RU" smtClean="0"/>
-              <a:t>20.04.2025</a:t>
+              <a:t>23.04.2025</a:t>
             </a:fld>
             <a:endParaRPr lang="ru-RU"/>
           </a:p>
@@ -853,35 +868,35 @@
           <a:p>
             <a:pPr lvl="0"/>
             <a:r>
-              <a:rPr lang="ru-RU" smtClean="0"/>
+              <a:rPr lang="ru-RU"/>
               <a:t>Образец текста</a:t>
             </a:r>
           </a:p>
           <a:p>
             <a:pPr lvl="1"/>
             <a:r>
-              <a:rPr lang="ru-RU" smtClean="0"/>
+              <a:rPr lang="ru-RU"/>
               <a:t>Второй уровень</a:t>
             </a:r>
           </a:p>
           <a:p>
             <a:pPr lvl="2"/>
             <a:r>
-              <a:rPr lang="ru-RU" smtClean="0"/>
+              <a:rPr lang="ru-RU"/>
               <a:t>Третий уровень</a:t>
             </a:r>
           </a:p>
           <a:p>
             <a:pPr lvl="3"/>
             <a:r>
-              <a:rPr lang="ru-RU" smtClean="0"/>
+              <a:rPr lang="ru-RU"/>
               <a:t>Четвертый уровень</a:t>
             </a:r>
           </a:p>
           <a:p>
             <a:pPr lvl="4"/>
             <a:r>
-              <a:rPr lang="ru-RU" smtClean="0"/>
+              <a:rPr lang="ru-RU"/>
               <a:t>Пятый уровень</a:t>
             </a:r>
             <a:endParaRPr lang="en-US" dirty="0"/>
@@ -938,7 +953,7 @@
           </a:lstStyle>
           <a:p>
             <a:r>
-              <a:rPr lang="ru-RU" smtClean="0"/>
+              <a:rPr lang="ru-RU"/>
               <a:t>Образец заголовка</a:t>
             </a:r>
             <a:endParaRPr lang="en-US" dirty="0"/>
@@ -1058,7 +1073,7 @@
           <a:p>
             <a:pPr lvl="0"/>
             <a:r>
-              <a:rPr lang="ru-RU" smtClean="0"/>
+              <a:rPr lang="ru-RU"/>
               <a:t>Образец текста</a:t>
             </a:r>
           </a:p>
@@ -1081,7 +1096,7 @@
           <a:p>
             <a:fld id="{FF581D25-6329-4D9F-B08F-80DC08D6B388}" type="datetimeFigureOut">
               <a:rPr lang="ru-RU" smtClean="0"/>
-              <a:t>20.04.2025</a:t>
+              <a:t>23.04.2025</a:t>
             </a:fld>
             <a:endParaRPr lang="ru-RU"/>
           </a:p>
@@ -1212,38 +1227,38 @@
           <a:p>
             <a:pPr lvl="0"/>
             <a:r>
-              <a:rPr lang="ru-RU" smtClean="0"/>
+              <a:rPr lang="ru-RU"/>
               <a:t>Образец текста</a:t>
             </a:r>
           </a:p>
           <a:p>
             <a:pPr lvl="1"/>
             <a:r>
-              <a:rPr lang="ru-RU" smtClean="0"/>
+              <a:rPr lang="ru-RU"/>
               <a:t>Второй уровень</a:t>
             </a:r>
           </a:p>
           <a:p>
             <a:pPr lvl="2"/>
             <a:r>
-              <a:rPr lang="ru-RU" smtClean="0"/>
+              <a:rPr lang="ru-RU"/>
               <a:t>Третий уровень</a:t>
             </a:r>
           </a:p>
           <a:p>
             <a:pPr lvl="3"/>
             <a:r>
-              <a:rPr lang="ru-RU" smtClean="0"/>
+              <a:rPr lang="ru-RU"/>
               <a:t>Четвертый уровень</a:t>
             </a:r>
           </a:p>
           <a:p>
             <a:pPr lvl="4"/>
             <a:r>
-              <a:rPr lang="ru-RU" smtClean="0"/>
+              <a:rPr lang="ru-RU"/>
               <a:t>Пятый уровень</a:t>
             </a:r>
-            <a:endParaRPr lang="en-US" dirty="0" smtClean="0"/>
+            <a:endParaRPr lang="en-US" dirty="0"/>
           </a:p>
         </p:txBody>
       </p:sp>
@@ -1294,38 +1309,38 @@
           <a:p>
             <a:pPr lvl="0"/>
             <a:r>
-              <a:rPr lang="ru-RU" smtClean="0"/>
+              <a:rPr lang="ru-RU"/>
               <a:t>Образец текста</a:t>
             </a:r>
           </a:p>
           <a:p>
             <a:pPr lvl="1"/>
             <a:r>
-              <a:rPr lang="ru-RU" smtClean="0"/>
+              <a:rPr lang="ru-RU"/>
               <a:t>Второй уровень</a:t>
             </a:r>
           </a:p>
           <a:p>
             <a:pPr lvl="2"/>
             <a:r>
-              <a:rPr lang="ru-RU" smtClean="0"/>
+              <a:rPr lang="ru-RU"/>
               <a:t>Третий уровень</a:t>
             </a:r>
           </a:p>
           <a:p>
             <a:pPr lvl="3"/>
             <a:r>
-              <a:rPr lang="ru-RU" smtClean="0"/>
+              <a:rPr lang="ru-RU"/>
               <a:t>Четвертый уровень</a:t>
             </a:r>
           </a:p>
           <a:p>
             <a:pPr lvl="4"/>
             <a:r>
-              <a:rPr lang="ru-RU" smtClean="0"/>
+              <a:rPr lang="ru-RU"/>
               <a:t>Пятый уровень</a:t>
             </a:r>
-            <a:endParaRPr lang="en-US" dirty="0" smtClean="0"/>
+            <a:endParaRPr lang="en-US" dirty="0"/>
           </a:p>
         </p:txBody>
       </p:sp>
@@ -1350,7 +1365,7 @@
           <a:lstStyle/>
           <a:p>
             <a:r>
-              <a:rPr lang="ru-RU" smtClean="0"/>
+              <a:rPr lang="ru-RU"/>
               <a:t>Образец заголовка</a:t>
             </a:r>
             <a:endParaRPr lang="en-US" dirty="0"/>
@@ -1374,7 +1389,7 @@
           <a:p>
             <a:fld id="{FF581D25-6329-4D9F-B08F-80DC08D6B388}" type="datetimeFigureOut">
               <a:rPr lang="ru-RU" smtClean="0"/>
-              <a:t>20.04.2025</a:t>
+              <a:t>23.04.2025</a:t>
             </a:fld>
             <a:endParaRPr lang="ru-RU"/>
           </a:p>
@@ -1494,38 +1509,38 @@
           <a:p>
             <a:pPr lvl="0"/>
             <a:r>
-              <a:rPr lang="ru-RU" smtClean="0"/>
+              <a:rPr lang="ru-RU"/>
               <a:t>Образец текста</a:t>
             </a:r>
           </a:p>
           <a:p>
             <a:pPr lvl="1"/>
             <a:r>
-              <a:rPr lang="ru-RU" smtClean="0"/>
+              <a:rPr lang="ru-RU"/>
               <a:t>Второй уровень</a:t>
             </a:r>
           </a:p>
           <a:p>
             <a:pPr lvl="2"/>
             <a:r>
-              <a:rPr lang="ru-RU" smtClean="0"/>
+              <a:rPr lang="ru-RU"/>
               <a:t>Третий уровень</a:t>
             </a:r>
           </a:p>
           <a:p>
             <a:pPr lvl="3"/>
             <a:r>
-              <a:rPr lang="ru-RU" smtClean="0"/>
+              <a:rPr lang="ru-RU"/>
               <a:t>Четвертый уровень</a:t>
             </a:r>
           </a:p>
           <a:p>
             <a:pPr lvl="4"/>
             <a:r>
-              <a:rPr lang="ru-RU" smtClean="0"/>
+              <a:rPr lang="ru-RU"/>
               <a:t>Пятый уровень</a:t>
             </a:r>
-            <a:endParaRPr lang="en-US" dirty="0" smtClean="0"/>
+            <a:endParaRPr lang="en-US" dirty="0"/>
           </a:p>
         </p:txBody>
       </p:sp>
@@ -1576,38 +1591,38 @@
           <a:p>
             <a:pPr lvl="0"/>
             <a:r>
-              <a:rPr lang="ru-RU" smtClean="0"/>
+              <a:rPr lang="ru-RU"/>
               <a:t>Образец текста</a:t>
             </a:r>
           </a:p>
           <a:p>
             <a:pPr lvl="1"/>
             <a:r>
-              <a:rPr lang="ru-RU" smtClean="0"/>
+              <a:rPr lang="ru-RU"/>
               <a:t>Второй уровень</a:t>
             </a:r>
           </a:p>
           <a:p>
             <a:pPr lvl="2"/>
             <a:r>
-              <a:rPr lang="ru-RU" smtClean="0"/>
+              <a:rPr lang="ru-RU"/>
               <a:t>Третий уровень</a:t>
             </a:r>
           </a:p>
           <a:p>
             <a:pPr lvl="3"/>
             <a:r>
-              <a:rPr lang="ru-RU" smtClean="0"/>
+              <a:rPr lang="ru-RU"/>
               <a:t>Четвертый уровень</a:t>
             </a:r>
           </a:p>
           <a:p>
             <a:pPr lvl="4"/>
             <a:r>
-              <a:rPr lang="ru-RU" smtClean="0"/>
+              <a:rPr lang="ru-RU"/>
               <a:t>Пятый уровень</a:t>
             </a:r>
-            <a:endParaRPr lang="en-US" dirty="0" smtClean="0"/>
+            <a:endParaRPr lang="en-US" dirty="0"/>
           </a:p>
         </p:txBody>
       </p:sp>
@@ -1636,7 +1651,7 @@
           </a:lstStyle>
           <a:p>
             <a:r>
-              <a:rPr lang="ru-RU" smtClean="0"/>
+              <a:rPr lang="ru-RU"/>
               <a:t>Образец заголовка</a:t>
             </a:r>
             <a:endParaRPr lang="en-US" dirty="0"/>
@@ -1708,7 +1723,7 @@
           <a:p>
             <a:pPr lvl="0"/>
             <a:r>
-              <a:rPr lang="ru-RU" smtClean="0"/>
+              <a:rPr lang="ru-RU"/>
               <a:t>Образец текста</a:t>
             </a:r>
           </a:p>
@@ -1779,7 +1794,7 @@
           <a:p>
             <a:pPr lvl="0"/>
             <a:r>
-              <a:rPr lang="ru-RU" smtClean="0"/>
+              <a:rPr lang="ru-RU"/>
               <a:t>Образец текста</a:t>
             </a:r>
           </a:p>
@@ -1802,7 +1817,7 @@
           <a:p>
             <a:fld id="{FF581D25-6329-4D9F-B08F-80DC08D6B388}" type="datetimeFigureOut">
               <a:rPr lang="ru-RU" smtClean="0"/>
-              <a:t>20.04.2025</a:t>
+              <a:t>23.04.2025</a:t>
             </a:fld>
             <a:endParaRPr lang="ru-RU"/>
           </a:p>
@@ -1896,7 +1911,7 @@
           <a:lstStyle/>
           <a:p>
             <a:r>
-              <a:rPr lang="ru-RU" smtClean="0"/>
+              <a:rPr lang="ru-RU"/>
               <a:t>Образец заголовка</a:t>
             </a:r>
             <a:endParaRPr lang="en-US" dirty="0"/>
@@ -1920,7 +1935,7 @@
           <a:p>
             <a:fld id="{FF581D25-6329-4D9F-B08F-80DC08D6B388}" type="datetimeFigureOut">
               <a:rPr lang="ru-RU" smtClean="0"/>
-              <a:t>20.04.2025</a:t>
+              <a:t>23.04.2025</a:t>
             </a:fld>
             <a:endParaRPr lang="ru-RU"/>
           </a:p>
@@ -2010,7 +2025,7 @@
           <a:p>
             <a:fld id="{FF581D25-6329-4D9F-B08F-80DC08D6B388}" type="datetimeFigureOut">
               <a:rPr lang="ru-RU" smtClean="0"/>
-              <a:t>20.04.2025</a:t>
+              <a:t>23.04.2025</a:t>
             </a:fld>
             <a:endParaRPr lang="ru-RU"/>
           </a:p>
@@ -2105,35 +2120,35 @@
           <a:p>
             <a:pPr lvl="0"/>
             <a:r>
-              <a:rPr lang="ru-RU" smtClean="0"/>
+              <a:rPr lang="ru-RU"/>
               <a:t>Образец текста</a:t>
             </a:r>
           </a:p>
           <a:p>
             <a:pPr lvl="1"/>
             <a:r>
-              <a:rPr lang="ru-RU" smtClean="0"/>
+              <a:rPr lang="ru-RU"/>
               <a:t>Второй уровень</a:t>
             </a:r>
           </a:p>
           <a:p>
             <a:pPr lvl="2"/>
             <a:r>
-              <a:rPr lang="ru-RU" smtClean="0"/>
+              <a:rPr lang="ru-RU"/>
               <a:t>Третий уровень</a:t>
             </a:r>
           </a:p>
           <a:p>
             <a:pPr lvl="3"/>
             <a:r>
-              <a:rPr lang="ru-RU" smtClean="0"/>
+              <a:rPr lang="ru-RU"/>
               <a:t>Четвертый уровень</a:t>
             </a:r>
           </a:p>
           <a:p>
             <a:pPr lvl="4"/>
             <a:r>
-              <a:rPr lang="ru-RU" smtClean="0"/>
+              <a:rPr lang="ru-RU"/>
               <a:t>Пятый уровень</a:t>
             </a:r>
             <a:endParaRPr lang="en-US" dirty="0"/>
@@ -2169,7 +2184,7 @@
           </a:lstStyle>
           <a:p>
             <a:r>
-              <a:rPr lang="ru-RU" smtClean="0"/>
+              <a:rPr lang="ru-RU"/>
               <a:t>Образец заголовка</a:t>
             </a:r>
             <a:endParaRPr lang="en-US" dirty="0"/>
@@ -2237,7 +2252,7 @@
           <a:p>
             <a:pPr lvl="0"/>
             <a:r>
-              <a:rPr lang="ru-RU" smtClean="0"/>
+              <a:rPr lang="ru-RU"/>
               <a:t>Образец текста</a:t>
             </a:r>
           </a:p>
@@ -2260,7 +2275,7 @@
           <a:p>
             <a:fld id="{FF581D25-6329-4D9F-B08F-80DC08D6B388}" type="datetimeFigureOut">
               <a:rPr lang="ru-RU" smtClean="0"/>
-              <a:t>20.04.2025</a:t>
+              <a:t>23.04.2025</a:t>
             </a:fld>
             <a:endParaRPr lang="ru-RU"/>
           </a:p>
@@ -2386,7 +2401,7 @@
           </a:lstStyle>
           <a:p>
             <a:r>
-              <a:rPr lang="ru-RU" smtClean="0"/>
+              <a:rPr lang="ru-RU"/>
               <a:t>Образец заголовка</a:t>
             </a:r>
             <a:endParaRPr lang="en-US" dirty="0"/>
@@ -2685,7 +2700,7 @@
           </a:lstStyle>
           <a:p>
             <a:r>
-              <a:rPr lang="ru-RU" smtClean="0"/>
+              <a:rPr lang="ru-RU"/>
               <a:t>Вставка рисунка</a:t>
             </a:r>
             <a:endParaRPr lang="en-US" dirty="0"/>
@@ -2753,7 +2768,7 @@
           <a:p>
             <a:pPr lvl="0"/>
             <a:r>
-              <a:rPr lang="ru-RU" smtClean="0"/>
+              <a:rPr lang="ru-RU"/>
               <a:t>Образец текста</a:t>
             </a:r>
           </a:p>
@@ -2776,7 +2791,7 @@
           <a:p>
             <a:fld id="{FF581D25-6329-4D9F-B08F-80DC08D6B388}" type="datetimeFigureOut">
               <a:rPr lang="ru-RU" smtClean="0"/>
-              <a:t>20.04.2025</a:t>
+              <a:t>23.04.2025</a:t>
             </a:fld>
             <a:endParaRPr lang="ru-RU"/>
           </a:p>
@@ -2904,7 +2919,7 @@
           <a:lstStyle/>
           <a:p>
             <a:r>
-              <a:rPr lang="ru-RU" smtClean="0"/>
+              <a:rPr lang="ru-RU"/>
               <a:t>Образец заголовка</a:t>
             </a:r>
             <a:endParaRPr lang="en-US" dirty="0"/>
@@ -2938,38 +2953,38 @@
           <a:p>
             <a:pPr lvl="0"/>
             <a:r>
-              <a:rPr lang="ru-RU" smtClean="0"/>
+              <a:rPr lang="ru-RU"/>
               <a:t>Образец текста</a:t>
             </a:r>
           </a:p>
           <a:p>
             <a:pPr lvl="1"/>
             <a:r>
-              <a:rPr lang="ru-RU" smtClean="0"/>
+              <a:rPr lang="ru-RU"/>
               <a:t>Второй уровень</a:t>
             </a:r>
           </a:p>
           <a:p>
             <a:pPr lvl="2"/>
             <a:r>
-              <a:rPr lang="ru-RU" smtClean="0"/>
+              <a:rPr lang="ru-RU"/>
               <a:t>Третий уровень</a:t>
             </a:r>
           </a:p>
           <a:p>
             <a:pPr lvl="3"/>
             <a:r>
-              <a:rPr lang="ru-RU" smtClean="0"/>
+              <a:rPr lang="ru-RU"/>
               <a:t>Четвертый уровень</a:t>
             </a:r>
           </a:p>
           <a:p>
             <a:pPr lvl="4"/>
             <a:r>
-              <a:rPr lang="ru-RU" smtClean="0"/>
+              <a:rPr lang="ru-RU"/>
               <a:t>Пятый уровень</a:t>
             </a:r>
-            <a:endParaRPr lang="en-US" dirty="0" smtClean="0"/>
+            <a:endParaRPr lang="en-US" dirty="0"/>
           </a:p>
         </p:txBody>
       </p:sp>
@@ -3006,7 +3021,7 @@
           <a:p>
             <a:fld id="{FF581D25-6329-4D9F-B08F-80DC08D6B388}" type="datetimeFigureOut">
               <a:rPr lang="ru-RU" smtClean="0"/>
-              <a:t>20.04.2025</a:t>
+              <a:t>23.04.2025</a:t>
             </a:fld>
             <a:endParaRPr lang="ru-RU"/>
           </a:p>
@@ -3525,16 +3540,15 @@
           <a:lstStyle/>
           <a:p>
             <a:r>
-              <a:rPr lang="ru-RU" dirty="0" smtClean="0"/>
+              <a:rPr lang="ru-RU" dirty="0"/>
               <a:t>Фролов Никита</a:t>
             </a:r>
           </a:p>
           <a:p>
             <a:r>
-              <a:rPr lang="ru-RU" dirty="0" smtClean="0"/>
+              <a:rPr lang="ru-RU" dirty="0"/>
               <a:t>Колесников Егор</a:t>
             </a:r>
-            <a:endParaRPr lang="ru-RU" dirty="0"/>
           </a:p>
         </p:txBody>
       </p:sp>
@@ -3554,10 +3568,9 @@
           <a:lstStyle/>
           <a:p>
             <a:r>
-              <a:rPr lang="ru-RU" dirty="0" smtClean="0"/>
+              <a:rPr lang="ru-RU" dirty="0"/>
               <a:t>Библиотекарь</a:t>
             </a:r>
-            <a:endParaRPr lang="ru-RU" dirty="0"/>
           </a:p>
         </p:txBody>
       </p:sp>
@@ -3607,10 +3620,9 @@
           <a:lstStyle/>
           <a:p>
             <a:r>
-              <a:rPr lang="ru-RU" dirty="0" smtClean="0"/>
+              <a:rPr lang="ru-RU" dirty="0"/>
               <a:t>Команда</a:t>
             </a:r>
-            <a:endParaRPr lang="ru-RU" dirty="0"/>
           </a:p>
         </p:txBody>
       </p:sp>
@@ -3633,7 +3645,7 @@
               <a:buNone/>
             </a:pPr>
             <a:r>
-              <a:rPr lang="ru-RU" dirty="0" smtClean="0"/>
+              <a:rPr lang="ru-RU" dirty="0"/>
               <a:t>Тим. Лид. – Фролов Никита – Код для сайта</a:t>
             </a:r>
           </a:p>
@@ -3642,18 +3654,17 @@
               <a:buNone/>
             </a:pPr>
             <a:r>
-              <a:rPr lang="ru-RU" dirty="0" smtClean="0"/>
+              <a:rPr lang="ru-RU" dirty="0"/>
               <a:t>Работник – Колесников Егор – Работа с БД и </a:t>
             </a:r>
             <a:r>
-              <a:rPr lang="en-US" dirty="0" smtClean="0"/>
+              <a:rPr lang="en-US" dirty="0"/>
               <a:t>HTML</a:t>
             </a:r>
             <a:r>
-              <a:rPr lang="ru-RU" dirty="0" smtClean="0"/>
+              <a:rPr lang="ru-RU" dirty="0"/>
               <a:t> файлами.</a:t>
             </a:r>
-            <a:endParaRPr lang="ru-RU" dirty="0"/>
           </a:p>
         </p:txBody>
       </p:sp>
@@ -3703,10 +3714,9 @@
           <a:lstStyle/>
           <a:p>
             <a:r>
-              <a:rPr lang="ru-RU" dirty="0" smtClean="0"/>
+              <a:rPr lang="ru-RU" dirty="0"/>
               <a:t>Файловая система</a:t>
             </a:r>
-            <a:endParaRPr lang="ru-RU" dirty="0"/>
           </a:p>
         </p:txBody>
       </p:sp>
@@ -3829,10 +3839,9 @@
           <a:lstStyle/>
           <a:p>
             <a:r>
-              <a:rPr lang="ru-RU" dirty="0" smtClean="0"/>
+              <a:rPr lang="ru-RU" dirty="0"/>
               <a:t>Внешний вид</a:t>
             </a:r>
-            <a:endParaRPr lang="ru-RU" dirty="0"/>
           </a:p>
         </p:txBody>
       </p:sp>
@@ -4017,6 +4026,36 @@
           </a:extLst>
         </p:spPr>
       </p:pic>
+      <p:pic>
+        <p:nvPicPr>
+          <p:cNvPr id="5" name="Рисунок 4">
+            <a:extLst>
+              <a:ext uri="{FF2B5EF4-FFF2-40B4-BE49-F238E27FC236}">
+                <a16:creationId xmlns:a16="http://schemas.microsoft.com/office/drawing/2014/main" id="{F123092C-3851-DBE7-60A9-C5B62BA9A3E5}"/>
+              </a:ext>
+            </a:extLst>
+          </p:cNvPr>
+          <p:cNvPicPr>
+            <a:picLocks noChangeAspect="1"/>
+          </p:cNvPicPr>
+          <p:nvPr/>
+        </p:nvPicPr>
+        <p:blipFill>
+          <a:blip r:embed="rId5"/>
+          <a:stretch>
+            <a:fillRect/>
+          </a:stretch>
+        </p:blipFill>
+        <p:spPr>
+          <a:xfrm>
+            <a:off x="5292079" y="4005065"/>
+            <a:ext cx="3639241" cy="2088232"/>
+          </a:xfrm>
+          <a:prstGeom prst="rect">
+            <a:avLst/>
+          </a:prstGeom>
+        </p:spPr>
+      </p:pic>
     </p:spTree>
     <p:extLst>
       <p:ext uri="{BB962C8B-B14F-4D97-AF65-F5344CB8AC3E}">
@@ -4063,10 +4102,9 @@
           <a:lstStyle/>
           <a:p>
             <a:r>
-              <a:rPr lang="ru-RU" dirty="0" smtClean="0"/>
+              <a:rPr lang="ru-RU" dirty="0"/>
               <a:t>Схема кода</a:t>
             </a:r>
-            <a:endParaRPr lang="ru-RU" dirty="0"/>
           </a:p>
         </p:txBody>
       </p:sp>
@@ -4094,18 +4132,17 @@
               <a:buNone/>
             </a:pPr>
             <a:r>
-              <a:rPr lang="ru-RU" dirty="0" smtClean="0"/>
+              <a:rPr lang="ru-RU" dirty="0"/>
               <a:t>Из файла </a:t>
             </a:r>
             <a:r>
-              <a:rPr lang="en-US" dirty="0" smtClean="0"/>
+              <a:rPr lang="en-US" dirty="0"/>
               <a:t>main.py</a:t>
             </a:r>
             <a:r>
-              <a:rPr lang="ru-RU" dirty="0" smtClean="0"/>
+              <a:rPr lang="ru-RU" dirty="0"/>
               <a:t> Вызываются все остальные файлы.</a:t>
             </a:r>
-            <a:endParaRPr lang="ru-RU" dirty="0"/>
           </a:p>
         </p:txBody>
       </p:sp>
@@ -4208,28 +4245,86 @@
           <a:bodyPr/>
           <a:lstStyle/>
           <a:p>
+            <a:r>
+              <a:rPr lang="ru-RU" dirty="0"/>
+              <a:t>О проекте</a:t>
+            </a:r>
+          </a:p>
+        </p:txBody>
+      </p:sp>
+      <p:sp>
+        <p:nvSpPr>
+          <p:cNvPr id="3" name="Объект 2"/>
+          <p:cNvSpPr>
+            <a:spLocks noGrp="1"/>
+          </p:cNvSpPr>
+          <p:nvPr>
+            <p:ph sz="quarter" idx="13"/>
+          </p:nvPr>
+        </p:nvSpPr>
+        <p:spPr/>
+        <p:txBody>
+          <a:bodyPr/>
+          <a:lstStyle/>
+          <a:p>
+            <a:pPr marL="0" indent="0">
+              <a:buNone/>
+            </a:pPr>
+            <a:r>
+              <a:rPr lang="ru-RU" dirty="0"/>
+              <a:t>Кол-во строк кода: 402</a:t>
+            </a:r>
+          </a:p>
+          <a:p>
+            <a:pPr marL="0" indent="0">
+              <a:buNone/>
+            </a:pPr>
+            <a:r>
+              <a:rPr lang="ru-RU" dirty="0"/>
+              <a:t>Ссылка: </a:t>
+            </a:r>
+            <a:r>
+              <a:rPr lang="en-US" dirty="0">
+                <a:hlinkClick r:id="rId2"/>
+              </a:rPr>
+              <a:t>Fr-</a:t>
+            </a:r>
+            <a:r>
+              <a:rPr lang="en-US" dirty="0" err="1">
+                <a:hlinkClick r:id="rId2"/>
+              </a:rPr>
+              <a:t>noname</a:t>
+            </a:r>
+            <a:r>
+              <a:rPr lang="en-US" dirty="0">
+                <a:hlinkClick r:id="rId2"/>
+              </a:rPr>
+              <a:t>/</a:t>
+            </a:r>
+            <a:r>
+              <a:rPr lang="en-US" dirty="0" err="1">
+                <a:hlinkClick r:id="rId2"/>
+              </a:rPr>
+              <a:t>web_project</a:t>
+            </a:r>
             <a:endParaRPr lang="ru-RU" dirty="0"/>
           </a:p>
-        </p:txBody>
-      </p:sp>
-      <p:sp>
-        <p:nvSpPr>
-          <p:cNvPr id="3" name="Объект 2"/>
-          <p:cNvSpPr>
-            <a:spLocks noGrp="1"/>
-          </p:cNvSpPr>
-          <p:nvPr>
-            <p:ph sz="quarter" idx="13"/>
-          </p:nvPr>
-        </p:nvSpPr>
-        <p:spPr/>
-        <p:txBody>
-          <a:bodyPr/>
-          <a:lstStyle/>
           <a:p>
             <a:pPr marL="0" indent="0">
               <a:buNone/>
             </a:pPr>
+            <a:r>
+              <a:rPr lang="ru-RU" dirty="0" err="1"/>
+              <a:t>Скринкаст</a:t>
+            </a:r>
+            <a:r>
+              <a:rPr lang="ru-RU" dirty="0"/>
+              <a:t>: </a:t>
+            </a:r>
+            <a:r>
+              <a:rPr lang="en-US" dirty="0"/>
+              <a:t>https://rutube.ru/video/private/230e25dfd2ace418a3b87928377ba059/?p=ZS0bjRD4YXgWzEfRtYzH8g</a:t>
+            </a:r>
             <a:endParaRPr lang="ru-RU" dirty="0"/>
           </a:p>
         </p:txBody>
@@ -4237,7 +4332,7 @@
     </p:spTree>
     <p:extLst>
       <p:ext uri="{BB962C8B-B14F-4D97-AF65-F5344CB8AC3E}">
-        <p14:creationId xmlns:p14="http://schemas.microsoft.com/office/powerpoint/2010/main" val="2914198409"/>
+        <p14:creationId xmlns:p14="http://schemas.microsoft.com/office/powerpoint/2010/main" val="3113511747"/>
       </p:ext>
     </p:extLst>
   </p:cSld>
@@ -4280,10 +4375,9 @@
           <a:lstStyle/>
           <a:p>
             <a:r>
-              <a:rPr lang="ru-RU" dirty="0" smtClean="0"/>
-              <a:t>О проекте</a:t>
-            </a:r>
-            <a:endParaRPr lang="ru-RU" dirty="0"/>
+              <a:rPr lang="ru-RU" dirty="0"/>
+              <a:t>Источники литературы</a:t>
+            </a:r>
           </a:p>
         </p:txBody>
       </p:sp>
@@ -4306,64 +4400,126 @@
               <a:buNone/>
             </a:pPr>
             <a:r>
-              <a:rPr lang="ru-RU" dirty="0" smtClean="0"/>
-              <a:t>Кол-во строк кода: 402</a:t>
-            </a:r>
-          </a:p>
-          <a:p>
-            <a:pPr marL="0" indent="0">
-              <a:buNone/>
-            </a:pPr>
-            <a:r>
-              <a:rPr lang="ru-RU" dirty="0" smtClean="0"/>
-              <a:t>Ссылка: </a:t>
-            </a:r>
-            <a:r>
-              <a:rPr lang="en-US" dirty="0" smtClean="0">
+              <a:rPr lang="en-US" dirty="0"/>
+              <a:t>flask: </a:t>
+            </a:r>
+            <a:r>
+              <a:rPr lang="en-US" dirty="0">
                 <a:hlinkClick r:id="rId2"/>
               </a:rPr>
-              <a:t>Fr-</a:t>
-            </a:r>
-            <a:r>
-              <a:rPr lang="en-US" dirty="0" err="1" smtClean="0">
-                <a:hlinkClick r:id="rId2"/>
+              <a:t>Welcome to Flask — Flask Documentation (3.1.x)</a:t>
+            </a:r>
+            <a:r>
+              <a:rPr lang="en-US" dirty="0"/>
+              <a:t> – </a:t>
+            </a:r>
+            <a:r>
+              <a:rPr lang="ru-RU" dirty="0" err="1"/>
+              <a:t>Общаяя</a:t>
+            </a:r>
+            <a:r>
+              <a:rPr lang="ru-RU" dirty="0"/>
+              <a:t> информация о библиотеке </a:t>
+            </a:r>
+            <a:r>
+              <a:rPr lang="ru-RU" dirty="0" err="1"/>
+              <a:t>фласк</a:t>
+            </a:r>
+            <a:endParaRPr lang="ru-RU" dirty="0"/>
+          </a:p>
+          <a:p>
+            <a:pPr marL="0" indent="0">
+              <a:buNone/>
+            </a:pPr>
+            <a:r>
+              <a:rPr lang="ru-RU" dirty="0"/>
+              <a:t>Яндекс </a:t>
+            </a:r>
+            <a:r>
+              <a:rPr lang="ru-RU" dirty="0" err="1"/>
+              <a:t>лмс</a:t>
+            </a:r>
+            <a:r>
+              <a:rPr lang="en-US" dirty="0"/>
+              <a:t>: </a:t>
+            </a:r>
+            <a:r>
+              <a:rPr lang="ru-RU" dirty="0">
+                <a:hlinkClick r:id="rId3"/>
               </a:rPr>
-              <a:t>noname</a:t>
-            </a:r>
-            <a:r>
-              <a:rPr lang="en-US" dirty="0" smtClean="0">
-                <a:hlinkClick r:id="rId2"/>
+              <a:t>Курсы — Яндекс </a:t>
+            </a:r>
+            <a:r>
+              <a:rPr lang="en-US" dirty="0">
+                <a:hlinkClick r:id="rId3"/>
               </a:rPr>
-              <a:t>/</a:t>
-            </a:r>
-            <a:r>
-              <a:rPr lang="en-US" dirty="0" err="1" smtClean="0">
-                <a:hlinkClick r:id="rId2"/>
+              <a:t>LMS</a:t>
+            </a:r>
+            <a:r>
+              <a:rPr lang="en-US" dirty="0"/>
+              <a:t> – </a:t>
+            </a:r>
+            <a:r>
+              <a:rPr lang="ru-RU" dirty="0"/>
+              <a:t>Помощь со всем и вся</a:t>
+            </a:r>
+          </a:p>
+          <a:p>
+            <a:pPr marL="0" indent="0">
+              <a:buNone/>
+            </a:pPr>
+            <a:r>
+              <a:rPr lang="en-US" dirty="0" err="1"/>
+              <a:t>Sqlalchemy</a:t>
+            </a:r>
+            <a:r>
+              <a:rPr lang="en-US" dirty="0"/>
+              <a:t>: </a:t>
+            </a:r>
+            <a:r>
+              <a:rPr lang="en-US" dirty="0" err="1">
+                <a:hlinkClick r:id="rId4"/>
               </a:rPr>
-              <a:t>web_project</a:t>
-            </a:r>
-            <a:endParaRPr lang="ru-RU" dirty="0" smtClean="0"/>
-          </a:p>
-          <a:p>
-            <a:pPr marL="0" indent="0">
-              <a:buNone/>
-            </a:pPr>
-            <a:r>
-              <a:rPr lang="ru-RU" dirty="0" err="1" smtClean="0"/>
-              <a:t>Скринкаст</a:t>
-            </a:r>
-            <a:r>
-              <a:rPr lang="ru-RU" dirty="0" smtClean="0"/>
-              <a:t>: </a:t>
-            </a:r>
-            <a:endParaRPr lang="ru-RU" dirty="0"/>
+              <a:t>SQLAlchemy</a:t>
+            </a:r>
+            <a:r>
+              <a:rPr lang="en-US" dirty="0">
+                <a:hlinkClick r:id="rId4"/>
+              </a:rPr>
+              <a:t> Documentation — </a:t>
+            </a:r>
+            <a:r>
+              <a:rPr lang="en-US" dirty="0" err="1">
+                <a:hlinkClick r:id="rId4"/>
+              </a:rPr>
+              <a:t>SQLAlchemy</a:t>
+            </a:r>
+            <a:r>
+              <a:rPr lang="en-US" dirty="0">
+                <a:hlinkClick r:id="rId4"/>
+              </a:rPr>
+              <a:t> 2.0 Documentation</a:t>
+            </a:r>
+            <a:r>
+              <a:rPr lang="en-US" dirty="0"/>
+              <a:t> </a:t>
+            </a:r>
+            <a:r>
+              <a:rPr lang="ru-RU" dirty="0"/>
+              <a:t>– работа с </a:t>
+            </a:r>
+            <a:r>
+              <a:rPr lang="ru-RU" dirty="0" err="1"/>
+              <a:t>бд</a:t>
+            </a:r>
+            <a:endParaRPr lang="en-US" dirty="0"/>
           </a:p>
         </p:txBody>
       </p:sp>
     </p:spTree>
     <p:extLst>
       <p:ext uri="{BB962C8B-B14F-4D97-AF65-F5344CB8AC3E}">
-        <p14:creationId xmlns:p14="http://schemas.microsoft.com/office/powerpoint/2010/main" val="3113511747"/>
+        <p14:creationId xmlns:p14="http://schemas.microsoft.com/office/powerpoint/2010/main" val="309123690"/>
       </p:ext>
     </p:extLst>
   </p:cSld>
@@ -4400,206 +4556,6 @@
             <p:ph type="title"/>
           </p:nvPr>
         </p:nvSpPr>
-        <p:spPr/>
-        <p:txBody>
-          <a:bodyPr/>
-          <a:lstStyle/>
-          <a:p>
-            <a:r>
-              <a:rPr lang="ru-RU" dirty="0" smtClean="0"/>
-              <a:t>Источники литературы</a:t>
-            </a:r>
-            <a:endParaRPr lang="ru-RU" dirty="0"/>
-          </a:p>
-        </p:txBody>
-      </p:sp>
-      <p:sp>
-        <p:nvSpPr>
-          <p:cNvPr id="3" name="Объект 2"/>
-          <p:cNvSpPr>
-            <a:spLocks noGrp="1"/>
-          </p:cNvSpPr>
-          <p:nvPr>
-            <p:ph sz="quarter" idx="13"/>
-          </p:nvPr>
-        </p:nvSpPr>
-        <p:spPr/>
-        <p:txBody>
-          <a:bodyPr/>
-          <a:lstStyle/>
-          <a:p>
-            <a:pPr marL="0" indent="0">
-              <a:buNone/>
-            </a:pPr>
-            <a:r>
-              <a:rPr lang="en-US" dirty="0" smtClean="0"/>
-              <a:t>flask: </a:t>
-            </a:r>
-            <a:r>
-              <a:rPr lang="en-US" dirty="0">
-                <a:hlinkClick r:id="rId2"/>
-              </a:rPr>
-              <a:t>Welcome to Flask — Flask Documentation (3.1.x</a:t>
-            </a:r>
-            <a:r>
-              <a:rPr lang="en-US" dirty="0" smtClean="0">
-                <a:hlinkClick r:id="rId2"/>
-              </a:rPr>
-              <a:t>)</a:t>
-            </a:r>
-            <a:r>
-              <a:rPr lang="en-US" dirty="0" smtClean="0"/>
-              <a:t> – </a:t>
-            </a:r>
-            <a:r>
-              <a:rPr lang="ru-RU" dirty="0" err="1" smtClean="0"/>
-              <a:t>Общаяя</a:t>
-            </a:r>
-            <a:r>
-              <a:rPr lang="ru-RU" dirty="0" smtClean="0"/>
-              <a:t> информация о библиотеке </a:t>
-            </a:r>
-            <a:r>
-              <a:rPr lang="ru-RU" dirty="0" err="1" smtClean="0"/>
-              <a:t>фласк</a:t>
-            </a:r>
-            <a:endParaRPr lang="ru-RU" dirty="0" smtClean="0"/>
-          </a:p>
-          <a:p>
-            <a:pPr marL="0" indent="0">
-              <a:buNone/>
-            </a:pPr>
-            <a:r>
-              <a:rPr lang="ru-RU" dirty="0" smtClean="0"/>
-              <a:t>Яндекс </a:t>
-            </a:r>
-            <a:r>
-              <a:rPr lang="ru-RU" dirty="0" err="1" smtClean="0"/>
-              <a:t>лмс</a:t>
-            </a:r>
-            <a:r>
-              <a:rPr lang="en-US" dirty="0" smtClean="0"/>
-              <a:t>: </a:t>
-            </a:r>
-            <a:r>
-              <a:rPr lang="ru-RU" dirty="0">
-                <a:hlinkClick r:id="rId3"/>
-              </a:rPr>
-              <a:t>Курсы — Яндекс </a:t>
-            </a:r>
-            <a:r>
-              <a:rPr lang="en-US" dirty="0" smtClean="0">
-                <a:hlinkClick r:id="rId3"/>
-              </a:rPr>
-              <a:t>LMS</a:t>
-            </a:r>
-            <a:r>
-              <a:rPr lang="en-US" dirty="0" smtClean="0"/>
-              <a:t> – </a:t>
-            </a:r>
-            <a:r>
-              <a:rPr lang="ru-RU" dirty="0" smtClean="0"/>
-              <a:t>Помощь со всем и вся</a:t>
-            </a:r>
-          </a:p>
-          <a:p>
-            <a:pPr marL="0" indent="0">
-              <a:buNone/>
-            </a:pPr>
-            <a:r>
-              <a:rPr lang="en-US" dirty="0" err="1" smtClean="0"/>
-              <a:t>Sqlalchemy</a:t>
-            </a:r>
-            <a:r>
-              <a:rPr lang="en-US" dirty="0" smtClean="0"/>
-              <a:t>: </a:t>
-            </a:r>
-            <a:r>
-              <a:rPr lang="en-US" dirty="0" err="1">
-                <a:hlinkClick r:id="rId4"/>
-              </a:rPr>
-              <a:t>SQLAlchemy</a:t>
-            </a:r>
-            <a:r>
-              <a:rPr lang="en-US" dirty="0">
-                <a:hlinkClick r:id="rId4"/>
-              </a:rPr>
-              <a:t> Documentation — </a:t>
-            </a:r>
-            <a:r>
-              <a:rPr lang="en-US" dirty="0" err="1">
-                <a:hlinkClick r:id="rId4"/>
-              </a:rPr>
-              <a:t>SQLAlchemy</a:t>
-            </a:r>
-            <a:r>
-              <a:rPr lang="en-US" dirty="0">
-                <a:hlinkClick r:id="rId4"/>
-              </a:rPr>
-              <a:t> 2.0 </a:t>
-            </a:r>
-            <a:r>
-              <a:rPr lang="en-US" dirty="0" smtClean="0">
-                <a:hlinkClick r:id="rId4"/>
-              </a:rPr>
-              <a:t>Documentation</a:t>
-            </a:r>
-            <a:r>
-              <a:rPr lang="en-US" dirty="0" smtClean="0"/>
-              <a:t> </a:t>
-            </a:r>
-            <a:r>
-              <a:rPr lang="ru-RU" dirty="0" smtClean="0"/>
-              <a:t>– работа с </a:t>
-            </a:r>
-            <a:r>
-              <a:rPr lang="ru-RU" dirty="0" err="1" smtClean="0"/>
-              <a:t>бд</a:t>
-            </a:r>
-            <a:endParaRPr lang="en-US" dirty="0" smtClean="0"/>
-          </a:p>
-        </p:txBody>
-      </p:sp>
-    </p:spTree>
-    <p:extLst>
-      <p:ext uri="{BB962C8B-B14F-4D97-AF65-F5344CB8AC3E}">
-        <p14:creationId xmlns:p14="http://schemas.microsoft.com/office/powerpoint/2010/main" val="309123690"/>
-      </p:ext>
-    </p:extLst>
-  </p:cSld>
-  <p:clrMapOvr>
-    <a:masterClrMapping/>
-  </p:clrMapOvr>
-</p:sld>
-</file>
-
-<file path=ppt/slides/slide9.xml><?xml version="1.0" encoding="utf-8"?>
-<p:sld xmlns:a="http://schemas.openxmlformats.org/drawingml/2006/main" xmlns:r="http://schemas.openxmlformats.org/officeDocument/2006/relationships" xmlns:p="http://schemas.openxmlformats.org/presentationml/2006/main">
-  <p:cSld>
-    <p:spTree>
-      <p:nvGrpSpPr>
-        <p:cNvPr id="1" name=""/>
-        <p:cNvGrpSpPr/>
-        <p:nvPr/>
-      </p:nvGrpSpPr>
-      <p:grpSpPr>
-        <a:xfrm>
-          <a:off x="0" y="0"/>
-          <a:ext cx="0" cy="0"/>
-          <a:chOff x="0" y="0"/>
-          <a:chExt cx="0" cy="0"/>
-        </a:xfrm>
-      </p:grpSpPr>
-      <p:sp>
-        <p:nvSpPr>
-          <p:cNvPr id="2" name="Заголовок 1"/>
-          <p:cNvSpPr>
-            <a:spLocks noGrp="1"/>
-          </p:cNvSpPr>
-          <p:nvPr>
-            <p:ph type="title"/>
-          </p:nvPr>
-        </p:nvSpPr>
         <p:spPr>
           <a:xfrm>
             <a:off x="457200" y="274638"/>
@@ -4611,10 +4567,9 @@
           <a:lstStyle/>
           <a:p>
             <a:r>
-              <a:rPr lang="ru-RU" dirty="0" smtClean="0"/>
+              <a:rPr lang="ru-RU" dirty="0"/>
               <a:t>Спасибо за внимание!!!</a:t>
             </a:r>
-            <a:endParaRPr lang="ru-RU" dirty="0"/>
           </a:p>
         </p:txBody>
       </p:sp>
@@ -4642,10 +4597,9 @@
               <a:buNone/>
             </a:pPr>
             <a:r>
-              <a:rPr lang="ru-RU" dirty="0" smtClean="0"/>
+              <a:rPr lang="ru-RU" dirty="0"/>
               <a:t>Готовы ответить на ваши вопросы</a:t>
             </a:r>
-            <a:endParaRPr lang="ru-RU" dirty="0"/>
           </a:p>
         </p:txBody>
       </p:sp>
